--- a/第03期/ppt/powerpoint/第07节.pptx
+++ b/第03期/ppt/powerpoint/第07节.pptx
@@ -3199,7 +3199,7 @@
           <a:bodyPr/>
           <a:lstStyle/>
           <a:p>
-            <a:pPr marL="0" indent="0" defTabSz="452627">
+            <a:pPr marL="0" indent="0" defTabSz="370331">
               <a:lnSpc>
                 <a:spcPct val="100000"/>
               </a:lnSpc>
@@ -3209,7 +3209,7 @@
               <a:buSzTx/>
               <a:buFontTx/>
               <a:buNone/>
-              <a:defRPr sz="2574">
+              <a:defRPr sz="2106">
                 <a:solidFill>
                   <a:srgbClr val="4E9072"/>
                 </a:solidFill>
@@ -3224,7 +3224,7 @@
             </a:r>
           </a:p>
           <a:p>
-            <a:pPr marL="0" indent="0" defTabSz="452627">
+            <a:pPr marL="0" indent="0" defTabSz="370331">
               <a:lnSpc>
                 <a:spcPct val="100000"/>
               </a:lnSpc>
@@ -3234,7 +3234,7 @@
               <a:buSzTx/>
               <a:buFontTx/>
               <a:buNone/>
-              <a:defRPr sz="2574">
+              <a:defRPr sz="2106">
                 <a:solidFill>
                   <a:srgbClr val="4E9072"/>
                 </a:solidFill>
@@ -3246,7 +3246,7 @@
             </a:pPr>
           </a:p>
           <a:p>
-            <a:pPr marL="0" indent="0" defTabSz="452627">
+            <a:pPr marL="0" indent="0" defTabSz="370331">
               <a:lnSpc>
                 <a:spcPct val="100000"/>
               </a:lnSpc>
@@ -3256,7 +3256,7 @@
               <a:buSzTx/>
               <a:buFontTx/>
               <a:buNone/>
-              <a:defRPr sz="2574">
+              <a:defRPr sz="2106">
                 <a:solidFill>
                   <a:srgbClr val="4E9072"/>
                 </a:solidFill>
@@ -3278,10 +3278,10 @@
             <a:r>
               <a:t>的点</a:t>
             </a:r>
-            <a:endParaRPr sz="2376"/>
-          </a:p>
-          <a:p>
-            <a:pPr marL="0" indent="0" defTabSz="452627">
+            <a:endParaRPr sz="1944"/>
+          </a:p>
+          <a:p>
+            <a:pPr marL="0" indent="0" defTabSz="370331">
               <a:lnSpc>
                 <a:spcPct val="100000"/>
               </a:lnSpc>
@@ -3291,7 +3291,7 @@
               <a:buSzTx/>
               <a:buFontTx/>
               <a:buNone/>
-              <a:defRPr sz="2574">
+              <a:defRPr sz="2106">
                 <a:solidFill>
                   <a:srgbClr val="4E9072"/>
                 </a:solidFill>
@@ -3302,7 +3302,7 @@
               </a:defRPr>
             </a:pPr>
             <a:r>
-              <a:rPr sz="2376"/>
+              <a:rPr sz="1944"/>
               <a:t>2）</a:t>
             </a:r>
             <a:r>
@@ -3316,7 +3316,7 @@
             </a:r>
           </a:p>
           <a:p>
-            <a:pPr marL="0" indent="0" defTabSz="452627">
+            <a:pPr marL="0" indent="0" defTabSz="370331">
               <a:lnSpc>
                 <a:spcPct val="100000"/>
               </a:lnSpc>
@@ -3326,7 +3326,7 @@
               <a:buSzTx/>
               <a:buFontTx/>
               <a:buNone/>
-              <a:defRPr sz="2574">
+              <a:defRPr sz="2106">
                 <a:solidFill>
                   <a:srgbClr val="4E9072"/>
                 </a:solidFill>
@@ -3345,10 +3345,10 @@
             <a:r>
               <a:t>的点输出，周而复始</a:t>
             </a:r>
-            <a:endParaRPr sz="2376"/>
-          </a:p>
-          <a:p>
-            <a:pPr marL="0" indent="0" defTabSz="452627">
+            <a:endParaRPr sz="1944"/>
+          </a:p>
+          <a:p>
+            <a:pPr marL="0" indent="0" defTabSz="370331">
               <a:lnSpc>
                 <a:spcPct val="100000"/>
               </a:lnSpc>
@@ -3358,7 +3358,7 @@
               <a:buSzTx/>
               <a:buFontTx/>
               <a:buNone/>
-              <a:defRPr sz="2574">
+              <a:defRPr sz="2106">
                 <a:solidFill>
                   <a:srgbClr val="4E9072"/>
                 </a:solidFill>
@@ -3369,16 +3369,16 @@
               </a:defRPr>
             </a:pPr>
             <a:r>
-              <a:rPr sz="2376"/>
+              <a:rPr sz="1944"/>
               <a:t>4）</a:t>
             </a:r>
             <a:r>
               <a:t>图的所有点都被删除后，依次删掉的顺序就是拓扑排序</a:t>
             </a:r>
-            <a:endParaRPr sz="2376"/>
-          </a:p>
-          <a:p>
-            <a:pPr marL="0" indent="0" defTabSz="452627">
+            <a:endParaRPr sz="1944"/>
+          </a:p>
+          <a:p>
+            <a:pPr marL="0" indent="0" defTabSz="370331">
               <a:lnSpc>
                 <a:spcPct val="100000"/>
               </a:lnSpc>
@@ -3388,7 +3388,7 @@
               <a:buSzTx/>
               <a:buFontTx/>
               <a:buNone/>
-              <a:defRPr sz="2574">
+              <a:defRPr sz="2106">
                 <a:solidFill>
                   <a:srgbClr val="4E9072"/>
                 </a:solidFill>
@@ -3401,10 +3401,10 @@
             <a:r>
               <a:t>要求：有向图且其中没有环</a:t>
             </a:r>
-            <a:endParaRPr sz="2376"/>
-          </a:p>
-          <a:p>
-            <a:pPr marL="0" indent="0" defTabSz="452627">
+            <a:endParaRPr sz="1944"/>
+          </a:p>
+          <a:p>
+            <a:pPr marL="0" indent="0" defTabSz="370331">
               <a:lnSpc>
                 <a:spcPct val="100000"/>
               </a:lnSpc>
@@ -3414,7 +3414,7 @@
               <a:buSzTx/>
               <a:buFontTx/>
               <a:buNone/>
-              <a:defRPr sz="2574">
+              <a:defRPr sz="2106">
                 <a:solidFill>
                   <a:srgbClr val="4E9072"/>
                 </a:solidFill>
@@ -3426,6 +3426,45 @@
             </a:pPr>
             <a:r>
               <a:t>应用：事件安排、编译顺序</a:t>
+            </a:r>
+          </a:p>
+          <a:p>
+            <a:pPr marL="0" indent="0" defTabSz="370331">
+              <a:lnSpc>
+                <a:spcPct val="100000"/>
+              </a:lnSpc>
+              <a:spcBef>
+                <a:spcPts val="0"/>
+              </a:spcBef>
+              <a:buSzTx/>
+              <a:buFontTx/>
+              <a:buNone/>
+              <a:defRPr sz="2106">
+                <a:solidFill>
+                  <a:srgbClr val="4E9072"/>
+                </a:solidFill>
+                <a:latin typeface="Monaco"/>
+                <a:ea typeface="Monaco"/>
+                <a:cs typeface="Monaco"/>
+                <a:sym typeface="Monaco"/>
+              </a:defRPr>
+            </a:pPr>
+            <a:r>
+              <a:t>测试链接 : </a:t>
+            </a:r>
+            <a:r>
+              <a:rPr u="sng">
+                <a:solidFill>
+                  <a:srgbClr val="0563C1"/>
+                </a:solidFill>
+                <a:uFill>
+                  <a:solidFill>
+                    <a:srgbClr val="0563C1"/>
+                  </a:solidFill>
+                </a:uFill>
+                <a:hlinkClick r:id="rId2" invalidUrl="" action="" tgtFrame="" tooltip="" history="1" highlightClick="0" endSnd="0"/>
+              </a:rPr>
+              <a:t>https://www.nowcoder.com/questionTerminal/88f7e156ca7d43a1a535f619cd3f495c</a:t>
             </a:r>
           </a:p>
         </p:txBody>
@@ -3439,7 +3478,7 @@
           <p:nvPr/>
         </p:nvPicPr>
         <p:blipFill>
-          <a:blip r:embed="rId2">
+          <a:blip r:embed="rId3">
             <a:extLst/>
           </a:blip>
           <a:stretch>
@@ -3583,7 +3622,7 @@
           <a:bodyPr/>
           <a:lstStyle/>
           <a:p>
-            <a:pPr marL="0" indent="0" defTabSz="457200">
+            <a:pPr marL="0" indent="0" defTabSz="352043">
               <a:lnSpc>
                 <a:spcPct val="100000"/>
               </a:lnSpc>
@@ -3593,7 +3632,7 @@
               <a:buSzTx/>
               <a:buFontTx/>
               <a:buNone/>
-              <a:defRPr sz="2600">
+              <a:defRPr sz="2002">
                 <a:solidFill>
                   <a:srgbClr val="4E9072"/>
                 </a:solidFill>
@@ -3607,12 +3646,12 @@
               <a:t>最小生成树算法之</a:t>
             </a:r>
             <a:r>
-              <a:rPr sz="4400"/>
+              <a:rPr sz="3387"/>
               <a:t>Kruskal</a:t>
             </a:r>
           </a:p>
           <a:p>
-            <a:pPr marL="0" indent="0" defTabSz="457200">
+            <a:pPr marL="0" indent="0" defTabSz="352043">
               <a:lnSpc>
                 <a:spcPct val="100000"/>
               </a:lnSpc>
@@ -3622,7 +3661,7 @@
               <a:buSzTx/>
               <a:buFontTx/>
               <a:buNone/>
-              <a:defRPr sz="2600">
+              <a:defRPr sz="2002">
                 <a:solidFill>
                   <a:srgbClr val="4E9072"/>
                 </a:solidFill>
@@ -3634,7 +3673,7 @@
             </a:pPr>
           </a:p>
           <a:p>
-            <a:pPr marL="0" indent="0" defTabSz="457200">
+            <a:pPr marL="0" indent="0" defTabSz="352043">
               <a:lnSpc>
                 <a:spcPct val="100000"/>
               </a:lnSpc>
@@ -3644,7 +3683,7 @@
               <a:buSzTx/>
               <a:buFontTx/>
               <a:buNone/>
-              <a:defRPr sz="2600">
+              <a:defRPr sz="2002">
                 <a:solidFill>
                   <a:srgbClr val="4E9072"/>
                 </a:solidFill>
@@ -3660,10 +3699,10 @@
             <a:r>
               <a:t>）总是从权值最小的边开始考虑，依次考察权值依次变大的边</a:t>
             </a:r>
-            <a:endParaRPr sz="2400"/>
-          </a:p>
-          <a:p>
-            <a:pPr marL="0" indent="0" defTabSz="457200">
+            <a:endParaRPr sz="1848"/>
+          </a:p>
+          <a:p>
+            <a:pPr marL="0" indent="0" defTabSz="352043">
               <a:lnSpc>
                 <a:spcPct val="100000"/>
               </a:lnSpc>
@@ -3673,7 +3712,7 @@
               <a:buSzTx/>
               <a:buFontTx/>
               <a:buNone/>
-              <a:defRPr sz="2600">
+              <a:defRPr sz="2002">
                 <a:solidFill>
                   <a:srgbClr val="4E9072"/>
                 </a:solidFill>
@@ -3689,10 +3728,10 @@
             <a:r>
               <a:t>）当前的边要么进入最小生成树的集合，要么丢弃</a:t>
             </a:r>
-            <a:endParaRPr sz="2400"/>
-          </a:p>
-          <a:p>
-            <a:pPr marL="0" indent="0" defTabSz="457200">
+            <a:endParaRPr sz="1848"/>
+          </a:p>
+          <a:p>
+            <a:pPr marL="0" indent="0" defTabSz="352043">
               <a:lnSpc>
                 <a:spcPct val="100000"/>
               </a:lnSpc>
@@ -3702,7 +3741,7 @@
               <a:buSzTx/>
               <a:buFontTx/>
               <a:buNone/>
-              <a:defRPr sz="2600">
+              <a:defRPr sz="2002">
                 <a:solidFill>
                   <a:srgbClr val="4E9072"/>
                 </a:solidFill>
@@ -3718,10 +3757,10 @@
             <a:r>
               <a:t>）如果当前的边进入最小生成树的集合中不会形成环，就要当前边</a:t>
             </a:r>
-            <a:endParaRPr sz="2400"/>
-          </a:p>
-          <a:p>
-            <a:pPr marL="0" indent="0" defTabSz="457200">
+            <a:endParaRPr sz="1848"/>
+          </a:p>
+          <a:p>
+            <a:pPr marL="0" indent="0" defTabSz="352043">
               <a:lnSpc>
                 <a:spcPct val="100000"/>
               </a:lnSpc>
@@ -3731,7 +3770,7 @@
               <a:buSzTx/>
               <a:buFontTx/>
               <a:buNone/>
-              <a:defRPr sz="2600">
+              <a:defRPr sz="2002">
                 <a:solidFill>
                   <a:srgbClr val="4E9072"/>
                 </a:solidFill>
@@ -3747,10 +3786,10 @@
             <a:r>
               <a:t>）如果当前的边进入最小生成树的集合中会形成环，就不要当前边</a:t>
             </a:r>
-            <a:endParaRPr sz="2400"/>
-          </a:p>
-          <a:p>
-            <a:pPr marL="0" indent="0" defTabSz="457200">
+            <a:endParaRPr sz="1848"/>
+          </a:p>
+          <a:p>
+            <a:pPr marL="0" indent="0" defTabSz="352043">
               <a:lnSpc>
                 <a:spcPct val="100000"/>
               </a:lnSpc>
@@ -3760,7 +3799,7 @@
               <a:buSzTx/>
               <a:buFontTx/>
               <a:buNone/>
-              <a:defRPr sz="2600">
+              <a:defRPr sz="2002">
                 <a:solidFill>
                   <a:srgbClr val="4E9072"/>
                 </a:solidFill>
@@ -3775,6 +3814,45 @@
             </a:r>
             <a:r>
               <a:t>）考察完所有边之后，最小生成树的集合也得到了</a:t>
+            </a:r>
+          </a:p>
+          <a:p>
+            <a:pPr marL="0" indent="0" defTabSz="352043">
+              <a:lnSpc>
+                <a:spcPct val="100000"/>
+              </a:lnSpc>
+              <a:spcBef>
+                <a:spcPts val="0"/>
+              </a:spcBef>
+              <a:buSzTx/>
+              <a:buFontTx/>
+              <a:buNone/>
+              <a:defRPr sz="2002">
+                <a:solidFill>
+                  <a:srgbClr val="4E9072"/>
+                </a:solidFill>
+                <a:latin typeface="Monaco"/>
+                <a:ea typeface="Monaco"/>
+                <a:cs typeface="Monaco"/>
+                <a:sym typeface="Monaco"/>
+              </a:defRPr>
+            </a:pPr>
+            <a:r>
+              <a:t>测试链接 : </a:t>
+            </a:r>
+            <a:r>
+              <a:rPr u="sng">
+                <a:solidFill>
+                  <a:srgbClr val="0563C1"/>
+                </a:solidFill>
+                <a:uFill>
+                  <a:solidFill>
+                    <a:srgbClr val="0563C1"/>
+                  </a:solidFill>
+                </a:uFill>
+                <a:hlinkClick r:id="rId2" invalidUrl="" action="" tgtFrame="" tooltip="" history="1" highlightClick="0" endSnd="0"/>
+              </a:rPr>
+              <a:t>https://www.nowcoder.com/questionTerminal/c23eab7bb39748b6b224a8a3afbe396b</a:t>
             </a:r>
           </a:p>
         </p:txBody>
@@ -3788,7 +3866,7 @@
           <p:nvPr/>
         </p:nvPicPr>
         <p:blipFill>
-          <a:blip r:embed="rId2">
+          <a:blip r:embed="rId3">
             <a:extLst/>
           </a:blip>
           <a:stretch>
@@ -4290,7 +4368,21 @@
               </a:defRPr>
             </a:pPr>
             <a:r>
-              <a:t>测试链接 : https://leetcode.cn/problems/optimize-water-distribution-in-a-village/</a:t>
+              <a:t>测试链接 : </a:t>
+            </a:r>
+            <a:r>
+              <a:rPr u="sng">
+                <a:solidFill>
+                  <a:srgbClr val="0563C1"/>
+                </a:solidFill>
+                <a:uFill>
+                  <a:solidFill>
+                    <a:srgbClr val="0563C1"/>
+                  </a:solidFill>
+                </a:uFill>
+                <a:hlinkClick r:id="rId2" invalidUrl="" action="" tgtFrame="" tooltip="" history="1" highlightClick="0" endSnd="0"/>
+              </a:rPr>
+              <a:t>https://leetcode.cn/problems/optimize-water-distribution-in-a-village/</a:t>
             </a:r>
           </a:p>
         </p:txBody>
@@ -4304,7 +4396,7 @@
           <p:nvPr/>
         </p:nvPicPr>
         <p:blipFill>
-          <a:blip r:embed="rId2">
+          <a:blip r:embed="rId3">
             <a:extLst/>
           </a:blip>
           <a:stretch>
@@ -4448,7 +4540,7 @@
           <a:bodyPr/>
           <a:lstStyle/>
           <a:p>
-            <a:pPr marL="0" indent="0" defTabSz="420623">
+            <a:pPr marL="0" indent="0" defTabSz="374904">
               <a:lnSpc>
                 <a:spcPct val="100000"/>
               </a:lnSpc>
@@ -4458,7 +4550,7 @@
               <a:buSzTx/>
               <a:buFontTx/>
               <a:buNone/>
-              <a:defRPr sz="2576">
+              <a:defRPr sz="2296">
                 <a:solidFill>
                   <a:srgbClr val="4E9072"/>
                 </a:solidFill>
@@ -4481,7 +4573,7 @@
             </a:endParaRPr>
           </a:p>
           <a:p>
-            <a:pPr marL="0" indent="0" defTabSz="420623">
+            <a:pPr marL="0" indent="0" defTabSz="374904">
               <a:lnSpc>
                 <a:spcPct val="100000"/>
               </a:lnSpc>
@@ -4491,7 +4583,7 @@
               <a:buSzTx/>
               <a:buFontTx/>
               <a:buNone/>
-              <a:defRPr sz="2576">
+              <a:defRPr sz="2296">
                 <a:solidFill>
                   <a:srgbClr val="4E9072"/>
                 </a:solidFill>
@@ -4513,10 +4605,10 @@
             <a:r>
               <a:t>算法必须指定一个源点</a:t>
             </a:r>
-            <a:endParaRPr sz="2208"/>
-          </a:p>
-          <a:p>
-            <a:pPr marL="0" indent="0" defTabSz="420623">
+            <a:endParaRPr sz="1968"/>
+          </a:p>
+          <a:p>
+            <a:pPr marL="0" indent="0" defTabSz="374904">
               <a:lnSpc>
                 <a:spcPct val="100000"/>
               </a:lnSpc>
@@ -4526,7 +4618,7 @@
               <a:buSzTx/>
               <a:buFontTx/>
               <a:buNone/>
-              <a:defRPr sz="2576">
+              <a:defRPr sz="2296">
                 <a:solidFill>
                   <a:srgbClr val="4E9072"/>
                 </a:solidFill>
@@ -4548,10 +4640,10 @@
             <a:r>
               <a:t>，源点到其他所有点的最小距离都为正无穷大</a:t>
             </a:r>
-            <a:endParaRPr sz="2208"/>
-          </a:p>
-          <a:p>
-            <a:pPr marL="0" indent="0" defTabSz="420623">
+            <a:endParaRPr sz="1968"/>
+          </a:p>
+          <a:p>
+            <a:pPr marL="0" indent="0" defTabSz="374904">
               <a:lnSpc>
                 <a:spcPct val="100000"/>
               </a:lnSpc>
@@ -4561,7 +4653,7 @@
               <a:buSzTx/>
               <a:buFontTx/>
               <a:buNone/>
-              <a:defRPr sz="2576">
+              <a:defRPr sz="2296">
                 <a:solidFill>
                   <a:srgbClr val="4E9072"/>
                 </a:solidFill>
@@ -4575,11 +4667,11 @@
               <a:t>3</a:t>
             </a:r>
             <a:r>
-              <a:t>）从距离表中拿出没拿过记录里的最小记录，通过这个点发出的边，更新源点到各个点的最小距离表，当前点的记录以后永不再碰</a:t>
-            </a:r>
-          </a:p>
-          <a:p>
-            <a:pPr marL="0" indent="0" defTabSz="420623">
+              <a:t>）从距离表中拿出没拿过的节点里，距离最小的记录，通过这个点发出的边，更新源点到各个点的最小距离表，当前点的记录以后永不再碰</a:t>
+            </a:r>
+          </a:p>
+          <a:p>
+            <a:pPr marL="0" indent="0" defTabSz="374904">
               <a:lnSpc>
                 <a:spcPct val="100000"/>
               </a:lnSpc>
@@ -4589,7 +4681,7 @@
               <a:buSzTx/>
               <a:buFontTx/>
               <a:buNone/>
-              <a:defRPr sz="2576">
+              <a:defRPr sz="2296">
                 <a:solidFill>
                   <a:srgbClr val="4E9072"/>
                 </a:solidFill>
@@ -4604,7 +4696,7 @@
             </a:r>
           </a:p>
           <a:p>
-            <a:pPr marL="0" indent="0" defTabSz="420623">
+            <a:pPr marL="0" indent="0" defTabSz="374904">
               <a:lnSpc>
                 <a:spcPct val="100000"/>
               </a:lnSpc>
@@ -4614,7 +4706,7 @@
               <a:buSzTx/>
               <a:buFontTx/>
               <a:buNone/>
-              <a:defRPr sz="2576">
+              <a:defRPr sz="2296">
                 <a:solidFill>
                   <a:srgbClr val="4E9072"/>
                 </a:solidFill>
@@ -4626,6 +4718,45 @@
             </a:pPr>
             <a:r>
               <a:t>5）最小距离表得到了</a:t>
+            </a:r>
+          </a:p>
+          <a:p>
+            <a:pPr marL="0" indent="0" defTabSz="374904">
+              <a:lnSpc>
+                <a:spcPct val="100000"/>
+              </a:lnSpc>
+              <a:spcBef>
+                <a:spcPts val="0"/>
+              </a:spcBef>
+              <a:buSzTx/>
+              <a:buFontTx/>
+              <a:buNone/>
+              <a:defRPr sz="2296">
+                <a:solidFill>
+                  <a:srgbClr val="4E9072"/>
+                </a:solidFill>
+                <a:latin typeface="Monaco"/>
+                <a:ea typeface="Monaco"/>
+                <a:cs typeface="Monaco"/>
+                <a:sym typeface="Monaco"/>
+              </a:defRPr>
+            </a:pPr>
+            <a:r>
+              <a:t>测试链接 : </a:t>
+            </a:r>
+            <a:r>
+              <a:rPr u="sng">
+                <a:solidFill>
+                  <a:srgbClr val="0563C1"/>
+                </a:solidFill>
+                <a:uFill>
+                  <a:solidFill>
+                    <a:srgbClr val="0563C1"/>
+                  </a:solidFill>
+                </a:uFill>
+                <a:hlinkClick r:id="rId2" invalidUrl="" action="" tgtFrame="" tooltip="" history="1" highlightClick="0" endSnd="0"/>
+              </a:rPr>
+              <a:t>https://leetcode.cn/problems/network-delay-time</a:t>
             </a:r>
           </a:p>
         </p:txBody>
@@ -4639,7 +4770,7 @@
           <p:nvPr/>
         </p:nvPicPr>
         <p:blipFill>
-          <a:blip r:embed="rId2">
+          <a:blip r:embed="rId3">
             <a:extLst/>
           </a:blip>
           <a:stretch>
@@ -5059,6 +5190,17 @@
               </a:defRPr>
             </a:pPr>
             <a:r>
+              <a:rPr u="sng">
+                <a:solidFill>
+                  <a:srgbClr val="0563C1"/>
+                </a:solidFill>
+                <a:uFill>
+                  <a:solidFill>
+                    <a:srgbClr val="0563C1"/>
+                  </a:solidFill>
+                </a:uFill>
+                <a:hlinkClick r:id="rId2" invalidUrl="" action="" tgtFrame="" tooltip="" history="1" highlightClick="0" endSnd="0"/>
+              </a:rPr>
               <a:t>https://leetcode.cn/problems/maximum-frequency-stack/</a:t>
             </a:r>
           </a:p>
@@ -5073,7 +5215,7 @@
           <p:nvPr/>
         </p:nvPicPr>
         <p:blipFill>
-          <a:blip r:embed="rId2">
+          <a:blip r:embed="rId3">
             <a:extLst/>
           </a:blip>
           <a:stretch>
@@ -5617,7 +5759,21 @@
               </a:defRPr>
             </a:pPr>
             <a:r>
-              <a:t>测试链接 : https://leetcode.com/problems/insert-delete-getrandom-o1/</a:t>
+              <a:t>测试链接 : </a:t>
+            </a:r>
+            <a:r>
+              <a:rPr u="sng">
+                <a:solidFill>
+                  <a:srgbClr val="0563C1"/>
+                </a:solidFill>
+                <a:uFill>
+                  <a:solidFill>
+                    <a:srgbClr val="0563C1"/>
+                  </a:solidFill>
+                </a:uFill>
+                <a:hlinkClick r:id="rId2" invalidUrl="" action="" tgtFrame="" tooltip="" history="1" highlightClick="0" endSnd="0"/>
+              </a:rPr>
+              <a:t>https://leetcode.cn/problems/insert-delete-getrandom-o1/</a:t>
             </a:r>
           </a:p>
         </p:txBody>
@@ -5631,7 +5787,7 @@
           <p:nvPr/>
         </p:nvPicPr>
         <p:blipFill>
-          <a:blip r:embed="rId2">
+          <a:blip r:embed="rId3">
             <a:extLst/>
           </a:blip>
           <a:stretch>
